--- a/documentation/Sequence Diagram/Sequence Diagram V4.pptx
+++ b/documentation/Sequence Diagram/Sequence Diagram V4.pptx
@@ -10473,7 +10473,16 @@
                 <a:cs typeface="Comic Sans MS"/>
                 <a:sym typeface="Comic Sans MS"/>
               </a:rPr>
-              <a:t>login()</a:t>
+              <a:t>login</a:t>
+            </a:r>
+            <a:r>
+              <a:rPr lang="en" sz="1200">
+                <a:latin typeface="Comic Sans MS"/>
+                <a:ea typeface="Comic Sans MS"/>
+                <a:cs typeface="Comic Sans MS"/>
+                <a:sym typeface="Comic Sans MS"/>
+              </a:rPr>
+              <a:t>()</a:t>
             </a:r>
             <a:endParaRPr b="0" i="0" sz="1200" u="none" cap="none" strike="noStrike">
               <a:solidFill>
@@ -10676,7 +10685,19 @@
                 <a:cs typeface="Comic Sans MS"/>
                 <a:sym typeface="Comic Sans MS"/>
               </a:rPr>
-              <a:t>ogin Success</a:t>
+              <a:t>ogin </a:t>
+            </a:r>
+            <a:r>
+              <a:rPr b="0" i="0" lang="en" sz="1200" u="none" cap="none" strike="noStrike">
+                <a:solidFill>
+                  <a:srgbClr val="000000"/>
+                </a:solidFill>
+                <a:latin typeface="Comic Sans MS"/>
+                <a:ea typeface="Comic Sans MS"/>
+                <a:cs typeface="Comic Sans MS"/>
+                <a:sym typeface="Comic Sans MS"/>
+              </a:rPr>
+              <a:t>Success</a:t>
             </a:r>
             <a:endParaRPr b="0" i="0" sz="1200" u="none" cap="none" strike="noStrike">
               <a:solidFill>
